--- a/documents/JavaScript_Libraries/Gruppe_C_Praesentation_JSLibraries.pptx
+++ b/documents/JavaScript_Libraries/Gruppe_C_Praesentation_JSLibraries.pptx
@@ -7,9 +7,14 @@
   <p:sldIdLst>
     <p:sldId id="256" r:id="rId2"/>
     <p:sldId id="257" r:id="rId3"/>
-    <p:sldId id="258" r:id="rId4"/>
-    <p:sldId id="259" r:id="rId5"/>
-    <p:sldId id="260" r:id="rId6"/>
+    <p:sldId id="264" r:id="rId4"/>
+    <p:sldId id="260" r:id="rId5"/>
+    <p:sldId id="261" r:id="rId6"/>
+    <p:sldId id="263" r:id="rId7"/>
+    <p:sldId id="258" r:id="rId8"/>
+    <p:sldId id="262" r:id="rId9"/>
+    <p:sldId id="265" r:id="rId10"/>
+    <p:sldId id="259" r:id="rId11"/>
   </p:sldIdLst>
   <p:sldSz cx="12192000" cy="6858000"/>
   <p:notesSz cx="6858000" cy="9144000"/>
@@ -108,6 +113,11 @@
       </a:defRPr>
     </a:lvl9pPr>
   </p:defaultTextStyle>
+  <p:extLst>
+    <p:ext uri="{EFAFB233-063F-42B5-8137-9DF3F51BA10A}">
+      <p15:sldGuideLst xmlns:p15="http://schemas.microsoft.com/office/powerpoint/2012/main"/>
+    </p:ext>
+  </p:extLst>
 </p:presentation>
 </file>
 
@@ -260,7 +270,7 @@
           <a:p>
             <a:fld id="{21930D6D-6346-4F88-BF40-A581CD744D54}" type="datetimeFigureOut">
               <a:rPr lang="de-CH" smtClean="0"/>
-              <a:t>01.05.2023</a:t>
+              <a:t>02.05.23</a:t>
             </a:fld>
             <a:endParaRPr lang="de-CH"/>
           </a:p>
@@ -460,7 +470,7 @@
           <a:p>
             <a:fld id="{21930D6D-6346-4F88-BF40-A581CD744D54}" type="datetimeFigureOut">
               <a:rPr lang="de-CH" smtClean="0"/>
-              <a:t>01.05.2023</a:t>
+              <a:t>02.05.23</a:t>
             </a:fld>
             <a:endParaRPr lang="de-CH"/>
           </a:p>
@@ -670,7 +680,7 @@
           <a:p>
             <a:fld id="{21930D6D-6346-4F88-BF40-A581CD744D54}" type="datetimeFigureOut">
               <a:rPr lang="de-CH" smtClean="0"/>
-              <a:t>01.05.2023</a:t>
+              <a:t>02.05.23</a:t>
             </a:fld>
             <a:endParaRPr lang="de-CH"/>
           </a:p>
@@ -870,7 +880,7 @@
           <a:p>
             <a:fld id="{21930D6D-6346-4F88-BF40-A581CD744D54}" type="datetimeFigureOut">
               <a:rPr lang="de-CH" smtClean="0"/>
-              <a:t>01.05.2023</a:t>
+              <a:t>02.05.23</a:t>
             </a:fld>
             <a:endParaRPr lang="de-CH"/>
           </a:p>
@@ -1146,7 +1156,7 @@
           <a:p>
             <a:fld id="{21930D6D-6346-4F88-BF40-A581CD744D54}" type="datetimeFigureOut">
               <a:rPr lang="de-CH" smtClean="0"/>
-              <a:t>01.05.2023</a:t>
+              <a:t>02.05.23</a:t>
             </a:fld>
             <a:endParaRPr lang="de-CH"/>
           </a:p>
@@ -1414,7 +1424,7 @@
           <a:p>
             <a:fld id="{21930D6D-6346-4F88-BF40-A581CD744D54}" type="datetimeFigureOut">
               <a:rPr lang="de-CH" smtClean="0"/>
-              <a:t>01.05.2023</a:t>
+              <a:t>02.05.23</a:t>
             </a:fld>
             <a:endParaRPr lang="de-CH"/>
           </a:p>
@@ -1829,7 +1839,7 @@
           <a:p>
             <a:fld id="{21930D6D-6346-4F88-BF40-A581CD744D54}" type="datetimeFigureOut">
               <a:rPr lang="de-CH" smtClean="0"/>
-              <a:t>01.05.2023</a:t>
+              <a:t>02.05.23</a:t>
             </a:fld>
             <a:endParaRPr lang="de-CH"/>
           </a:p>
@@ -1971,7 +1981,7 @@
           <a:p>
             <a:fld id="{21930D6D-6346-4F88-BF40-A581CD744D54}" type="datetimeFigureOut">
               <a:rPr lang="de-CH" smtClean="0"/>
-              <a:t>01.05.2023</a:t>
+              <a:t>02.05.23</a:t>
             </a:fld>
             <a:endParaRPr lang="de-CH"/>
           </a:p>
@@ -2084,7 +2094,7 @@
           <a:p>
             <a:fld id="{21930D6D-6346-4F88-BF40-A581CD744D54}" type="datetimeFigureOut">
               <a:rPr lang="de-CH" smtClean="0"/>
-              <a:t>01.05.2023</a:t>
+              <a:t>02.05.23</a:t>
             </a:fld>
             <a:endParaRPr lang="de-CH"/>
           </a:p>
@@ -2397,7 +2407,7 @@
           <a:p>
             <a:fld id="{21930D6D-6346-4F88-BF40-A581CD744D54}" type="datetimeFigureOut">
               <a:rPr lang="de-CH" smtClean="0"/>
-              <a:t>01.05.2023</a:t>
+              <a:t>02.05.23</a:t>
             </a:fld>
             <a:endParaRPr lang="de-CH"/>
           </a:p>
@@ -2686,7 +2696,7 @@
           <a:p>
             <a:fld id="{21930D6D-6346-4F88-BF40-A581CD744D54}" type="datetimeFigureOut">
               <a:rPr lang="de-CH" smtClean="0"/>
-              <a:t>01.05.2023</a:t>
+              <a:t>02.05.23</a:t>
             </a:fld>
             <a:endParaRPr lang="de-CH"/>
           </a:p>
@@ -2929,7 +2939,7 @@
           <a:p>
             <a:fld id="{21930D6D-6346-4F88-BF40-A581CD744D54}" type="datetimeFigureOut">
               <a:rPr lang="de-CH" smtClean="0"/>
-              <a:t>01.05.2023</a:t>
+              <a:t>02.05.23</a:t>
             </a:fld>
             <a:endParaRPr lang="de-CH"/>
           </a:p>
@@ -3423,6 +3433,94 @@
 </p:sld>
 </file>
 
+<file path=ppt/slides/slide10.xml><?xml version="1.0" encoding="utf-8"?>
+<p:sld xmlns:a="http://schemas.openxmlformats.org/drawingml/2006/main" xmlns:r="http://schemas.openxmlformats.org/officeDocument/2006/relationships" xmlns:p="http://schemas.openxmlformats.org/presentationml/2006/main">
+  <p:cSld>
+    <p:spTree>
+      <p:nvGrpSpPr>
+        <p:cNvPr id="1" name=""/>
+        <p:cNvGrpSpPr/>
+        <p:nvPr/>
+      </p:nvGrpSpPr>
+      <p:grpSpPr>
+        <a:xfrm>
+          <a:off x="0" y="0"/>
+          <a:ext cx="0" cy="0"/>
+          <a:chOff x="0" y="0"/>
+          <a:chExt cx="0" cy="0"/>
+        </a:xfrm>
+      </p:grpSpPr>
+      <p:sp>
+        <p:nvSpPr>
+          <p:cNvPr id="2" name="Titel 1">
+            <a:extLst>
+              <a:ext uri="{FF2B5EF4-FFF2-40B4-BE49-F238E27FC236}">
+                <a16:creationId xmlns:a16="http://schemas.microsoft.com/office/drawing/2014/main" id="{465B66F2-A09E-D323-955F-239C6C71D300}"/>
+              </a:ext>
+            </a:extLst>
+          </p:cNvPr>
+          <p:cNvSpPr>
+            <a:spLocks noGrp="1"/>
+          </p:cNvSpPr>
+          <p:nvPr>
+            <p:ph type="title"/>
+          </p:nvPr>
+        </p:nvSpPr>
+        <p:spPr/>
+        <p:txBody>
+          <a:bodyPr/>
+          <a:lstStyle/>
+          <a:p>
+            <a:r>
+              <a:rPr lang="de-CH" dirty="0"/>
+              <a:t>Vergleich D3.js und </a:t>
+            </a:r>
+            <a:r>
+              <a:rPr lang="de-CH" dirty="0" err="1"/>
+              <a:t>React</a:t>
+            </a:r>
+            <a:endParaRPr lang="de-CH" dirty="0"/>
+          </a:p>
+        </p:txBody>
+      </p:sp>
+      <p:sp>
+        <p:nvSpPr>
+          <p:cNvPr id="3" name="Inhaltsplatzhalter 2">
+            <a:extLst>
+              <a:ext uri="{FF2B5EF4-FFF2-40B4-BE49-F238E27FC236}">
+                <a16:creationId xmlns:a16="http://schemas.microsoft.com/office/drawing/2014/main" id="{57FDE265-5B6B-A6E1-C639-DCA62F76B866}"/>
+              </a:ext>
+            </a:extLst>
+          </p:cNvPr>
+          <p:cNvSpPr>
+            <a:spLocks noGrp="1"/>
+          </p:cNvSpPr>
+          <p:nvPr>
+            <p:ph idx="1"/>
+          </p:nvPr>
+        </p:nvSpPr>
+        <p:spPr/>
+        <p:txBody>
+          <a:bodyPr/>
+          <a:lstStyle/>
+          <a:p>
+            <a:endParaRPr lang="de-CH"/>
+          </a:p>
+        </p:txBody>
+      </p:sp>
+    </p:spTree>
+    <p:extLst>
+      <p:ext uri="{BB962C8B-B14F-4D97-AF65-F5344CB8AC3E}">
+        <p14:creationId xmlns:p14="http://schemas.microsoft.com/office/powerpoint/2010/main" val="3488042679"/>
+      </p:ext>
+    </p:extLst>
+  </p:cSld>
+  <p:clrMapOvr>
+    <a:masterClrMapping/>
+  </p:clrMapOvr>
+</p:sld>
+</file>
+
 <file path=ppt/slides/slide2.xml><?xml version="1.0" encoding="utf-8"?>
 <p:sld xmlns:a="http://schemas.openxmlformats.org/drawingml/2006/main" xmlns:r="http://schemas.openxmlformats.org/officeDocument/2006/relationships" xmlns:p="http://schemas.openxmlformats.org/presentationml/2006/main">
   <p:cSld>
@@ -3513,7 +3611,28 @@
             <a:pPr lvl="1"/>
             <a:r>
               <a:rPr lang="de-CH" dirty="0"/>
+              <a:t>Beispielseite</a:t>
+            </a:r>
+          </a:p>
+          <a:p>
+            <a:pPr lvl="1"/>
+            <a:r>
+              <a:rPr lang="de-CH" dirty="0"/>
               <a:t>Stärken / Schwächen</a:t>
+            </a:r>
+          </a:p>
+          <a:p>
+            <a:r>
+              <a:rPr lang="de-CH" dirty="0" err="1"/>
+              <a:t>React</a:t>
+            </a:r>
+            <a:endParaRPr lang="de-CH" dirty="0"/>
+          </a:p>
+          <a:p>
+            <a:pPr lvl="1"/>
+            <a:r>
+              <a:rPr lang="de-CH" dirty="0"/>
+              <a:t>Einsatzgebiet</a:t>
             </a:r>
           </a:p>
           <a:p>
@@ -3524,31 +3643,10 @@
             </a:r>
           </a:p>
           <a:p>
-            <a:r>
-              <a:rPr lang="de-CH" dirty="0" err="1"/>
-              <a:t>React</a:t>
-            </a:r>
-            <a:endParaRPr lang="de-CH" dirty="0"/>
-          </a:p>
-          <a:p>
-            <a:pPr lvl="1"/>
-            <a:r>
-              <a:rPr lang="de-CH" dirty="0"/>
-              <a:t>Einsatzgebiet</a:t>
-            </a:r>
-          </a:p>
-          <a:p>
             <a:pPr lvl="1"/>
             <a:r>
               <a:rPr lang="de-CH" dirty="0"/>
               <a:t>Stärken / Schwächen</a:t>
-            </a:r>
-          </a:p>
-          <a:p>
-            <a:pPr lvl="1"/>
-            <a:r>
-              <a:rPr lang="de-CH" dirty="0"/>
-              <a:t>Beispielseite</a:t>
             </a:r>
           </a:p>
           <a:p>
@@ -3602,7 +3700,7 @@
           <p:cNvPr id="2" name="Titel 1">
             <a:extLst>
               <a:ext uri="{FF2B5EF4-FFF2-40B4-BE49-F238E27FC236}">
-                <a16:creationId xmlns:a16="http://schemas.microsoft.com/office/drawing/2014/main" id="{1868DDB8-4681-AE82-FD2D-7CED03D72A70}"/>
+                <a16:creationId xmlns:a16="http://schemas.microsoft.com/office/drawing/2014/main" id="{DE548FB1-798F-D34E-0B36-BC5E4D2A27A4}"/>
               </a:ext>
             </a:extLst>
           </p:cNvPr>
@@ -3618,39 +3716,52 @@
           <a:bodyPr/>
           <a:lstStyle/>
           <a:p>
-            <a:endParaRPr lang="de-CH"/>
-          </a:p>
-        </p:txBody>
-      </p:sp>
-      <p:sp>
-        <p:nvSpPr>
-          <p:cNvPr id="3" name="Inhaltsplatzhalter 2">
-            <a:extLst>
-              <a:ext uri="{FF2B5EF4-FFF2-40B4-BE49-F238E27FC236}">
-                <a16:creationId xmlns:a16="http://schemas.microsoft.com/office/drawing/2014/main" id="{33A7AC71-F60D-7B34-67D7-F2452991C5CF}"/>
-              </a:ext>
-            </a:extLst>
-          </p:cNvPr>
-          <p:cNvSpPr>
-            <a:spLocks noGrp="1"/>
-          </p:cNvSpPr>
+            <a:r>
+              <a:rPr lang="de-DE" dirty="0"/>
+              <a:t>Frameworks  vs. Libraries</a:t>
+            </a:r>
+          </a:p>
+        </p:txBody>
+      </p:sp>
+      <p:pic>
+        <p:nvPicPr>
+          <p:cNvPr id="5" name="Inhaltsplatzhalter 4" descr="Ein Bild, das Diagramm enthält.&#10;&#10;Automatisch generierte Beschreibung">
+            <a:extLst>
+              <a:ext uri="{FF2B5EF4-FFF2-40B4-BE49-F238E27FC236}">
+                <a16:creationId xmlns:a16="http://schemas.microsoft.com/office/drawing/2014/main" id="{F4A36BD8-D28C-7CC6-3E06-A0ADF89E3CB1}"/>
+              </a:ext>
+            </a:extLst>
+          </p:cNvPr>
+          <p:cNvPicPr>
+            <a:picLocks noGrp="1" noChangeAspect="1"/>
+          </p:cNvPicPr>
           <p:nvPr>
             <p:ph idx="1"/>
           </p:nvPr>
-        </p:nvSpPr>
-        <p:spPr/>
-        <p:txBody>
-          <a:bodyPr/>
-          <a:lstStyle/>
-          <a:p>
-            <a:endParaRPr lang="de-CH"/>
-          </a:p>
-        </p:txBody>
-      </p:sp>
+        </p:nvPicPr>
+        <p:blipFill>
+          <a:blip r:embed="rId2">
+            <a:extLst>
+              <a:ext uri="{28A0092B-C50C-407E-A947-70E740481C1C}">
+                <a14:useLocalDpi xmlns:a14="http://schemas.microsoft.com/office/drawing/2010/main" val="0"/>
+              </a:ext>
+            </a:extLst>
+          </a:blip>
+          <a:stretch>
+            <a:fillRect/>
+          </a:stretch>
+        </p:blipFill>
+        <p:spPr>
+          <a:xfrm>
+            <a:off x="1714500" y="2001044"/>
+            <a:ext cx="8763000" cy="4000500"/>
+          </a:xfrm>
+        </p:spPr>
+      </p:pic>
     </p:spTree>
     <p:extLst>
       <p:ext uri="{BB962C8B-B14F-4D97-AF65-F5344CB8AC3E}">
-        <p14:creationId xmlns:p14="http://schemas.microsoft.com/office/powerpoint/2010/main" val="2047057984"/>
+        <p14:creationId xmlns:p14="http://schemas.microsoft.com/office/powerpoint/2010/main" val="3701497769"/>
       </p:ext>
     </p:extLst>
   </p:cSld>
@@ -3682,7 +3793,7 @@
           <p:cNvPr id="2" name="Titel 1">
             <a:extLst>
               <a:ext uri="{FF2B5EF4-FFF2-40B4-BE49-F238E27FC236}">
-                <a16:creationId xmlns:a16="http://schemas.microsoft.com/office/drawing/2014/main" id="{465B66F2-A09E-D323-955F-239C6C71D300}"/>
+                <a16:creationId xmlns:a16="http://schemas.microsoft.com/office/drawing/2014/main" id="{B92E4EE0-31E6-094E-A542-79FAA138C389}"/>
               </a:ext>
             </a:extLst>
           </p:cNvPr>
@@ -3698,7 +3809,10 @@
           <a:bodyPr/>
           <a:lstStyle/>
           <a:p>
-            <a:endParaRPr lang="de-CH"/>
+            <a:r>
+              <a:rPr lang="de-CH" dirty="0"/>
+              <a:t>D3.js – Beschreibung, Zweck, Einsatz </a:t>
+            </a:r>
           </a:p>
         </p:txBody>
       </p:sp>
@@ -3707,7 +3821,7 @@
           <p:cNvPr id="3" name="Inhaltsplatzhalter 2">
             <a:extLst>
               <a:ext uri="{FF2B5EF4-FFF2-40B4-BE49-F238E27FC236}">
-                <a16:creationId xmlns:a16="http://schemas.microsoft.com/office/drawing/2014/main" id="{57FDE265-5B6B-A6E1-C639-DCA62F76B866}"/>
+                <a16:creationId xmlns:a16="http://schemas.microsoft.com/office/drawing/2014/main" id="{4B609650-D706-CE36-6599-FD144F060FCA}"/>
               </a:ext>
             </a:extLst>
           </p:cNvPr>
@@ -3723,14 +3837,14 @@
           <a:bodyPr/>
           <a:lstStyle/>
           <a:p>
-            <a:endParaRPr lang="de-CH"/>
+            <a:endParaRPr lang="de-CH" dirty="0"/>
           </a:p>
         </p:txBody>
       </p:sp>
     </p:spTree>
     <p:extLst>
       <p:ext uri="{BB962C8B-B14F-4D97-AF65-F5344CB8AC3E}">
-        <p14:creationId xmlns:p14="http://schemas.microsoft.com/office/powerpoint/2010/main" val="3488042679"/>
+        <p14:creationId xmlns:p14="http://schemas.microsoft.com/office/powerpoint/2010/main" val="1487863616"/>
       </p:ext>
     </p:extLst>
   </p:cSld>
@@ -3762,7 +3876,7 @@
           <p:cNvPr id="2" name="Titel 1">
             <a:extLst>
               <a:ext uri="{FF2B5EF4-FFF2-40B4-BE49-F238E27FC236}">
-                <a16:creationId xmlns:a16="http://schemas.microsoft.com/office/drawing/2014/main" id="{B92E4EE0-31E6-094E-A542-79FAA138C389}"/>
+                <a16:creationId xmlns:a16="http://schemas.microsoft.com/office/drawing/2014/main" id="{9E59940A-837D-79CC-EA0D-2FD94BDD8B47}"/>
               </a:ext>
             </a:extLst>
           </p:cNvPr>
@@ -3778,7 +3892,10 @@
           <a:bodyPr/>
           <a:lstStyle/>
           <a:p>
-            <a:endParaRPr lang="de-CH"/>
+            <a:r>
+              <a:rPr lang="de-DE" dirty="0"/>
+              <a:t>Beispielseite, Code</a:t>
+            </a:r>
           </a:p>
         </p:txBody>
       </p:sp>
@@ -3787,7 +3904,7 @@
           <p:cNvPr id="3" name="Inhaltsplatzhalter 2">
             <a:extLst>
               <a:ext uri="{FF2B5EF4-FFF2-40B4-BE49-F238E27FC236}">
-                <a16:creationId xmlns:a16="http://schemas.microsoft.com/office/drawing/2014/main" id="{4B609650-D706-CE36-6599-FD144F060FCA}"/>
+                <a16:creationId xmlns:a16="http://schemas.microsoft.com/office/drawing/2014/main" id="{75DC73E8-DED7-2251-86DF-387B8F631E95}"/>
               </a:ext>
             </a:extLst>
           </p:cNvPr>
@@ -3803,14 +3920,358 @@
           <a:bodyPr/>
           <a:lstStyle/>
           <a:p>
-            <a:endParaRPr lang="de-CH"/>
+            <a:endParaRPr lang="de-DE"/>
           </a:p>
         </p:txBody>
       </p:sp>
     </p:spTree>
     <p:extLst>
       <p:ext uri="{BB962C8B-B14F-4D97-AF65-F5344CB8AC3E}">
-        <p14:creationId xmlns:p14="http://schemas.microsoft.com/office/powerpoint/2010/main" val="1487863616"/>
+        <p14:creationId xmlns:p14="http://schemas.microsoft.com/office/powerpoint/2010/main" val="597878288"/>
+      </p:ext>
+    </p:extLst>
+  </p:cSld>
+  <p:clrMapOvr>
+    <a:masterClrMapping/>
+  </p:clrMapOvr>
+</p:sld>
+</file>
+
+<file path=ppt/slides/slide6.xml><?xml version="1.0" encoding="utf-8"?>
+<p:sld xmlns:a="http://schemas.openxmlformats.org/drawingml/2006/main" xmlns:r="http://schemas.openxmlformats.org/officeDocument/2006/relationships" xmlns:p="http://schemas.openxmlformats.org/presentationml/2006/main">
+  <p:cSld>
+    <p:spTree>
+      <p:nvGrpSpPr>
+        <p:cNvPr id="1" name=""/>
+        <p:cNvGrpSpPr/>
+        <p:nvPr/>
+      </p:nvGrpSpPr>
+      <p:grpSpPr>
+        <a:xfrm>
+          <a:off x="0" y="0"/>
+          <a:ext cx="0" cy="0"/>
+          <a:chOff x="0" y="0"/>
+          <a:chExt cx="0" cy="0"/>
+        </a:xfrm>
+      </p:grpSpPr>
+      <p:sp>
+        <p:nvSpPr>
+          <p:cNvPr id="2" name="Titel 1">
+            <a:extLst>
+              <a:ext uri="{FF2B5EF4-FFF2-40B4-BE49-F238E27FC236}">
+                <a16:creationId xmlns:a16="http://schemas.microsoft.com/office/drawing/2014/main" id="{B6CD52B9-5ACC-CFC5-26E9-C940ABC10142}"/>
+              </a:ext>
+            </a:extLst>
+          </p:cNvPr>
+          <p:cNvSpPr>
+            <a:spLocks noGrp="1"/>
+          </p:cNvSpPr>
+          <p:nvPr>
+            <p:ph type="title"/>
+          </p:nvPr>
+        </p:nvSpPr>
+        <p:spPr/>
+        <p:txBody>
+          <a:bodyPr/>
+          <a:lstStyle/>
+          <a:p>
+            <a:r>
+              <a:rPr lang="de-DE" dirty="0"/>
+              <a:t>Stärken / Schwächen</a:t>
+            </a:r>
+          </a:p>
+        </p:txBody>
+      </p:sp>
+      <p:sp>
+        <p:nvSpPr>
+          <p:cNvPr id="3" name="Inhaltsplatzhalter 2">
+            <a:extLst>
+              <a:ext uri="{FF2B5EF4-FFF2-40B4-BE49-F238E27FC236}">
+                <a16:creationId xmlns:a16="http://schemas.microsoft.com/office/drawing/2014/main" id="{CE0B0CA8-B6AB-843A-3BA3-71DCD1D4B5DF}"/>
+              </a:ext>
+            </a:extLst>
+          </p:cNvPr>
+          <p:cNvSpPr>
+            <a:spLocks noGrp="1"/>
+          </p:cNvSpPr>
+          <p:nvPr>
+            <p:ph idx="1"/>
+          </p:nvPr>
+        </p:nvSpPr>
+        <p:spPr/>
+        <p:txBody>
+          <a:bodyPr/>
+          <a:lstStyle/>
+          <a:p>
+            <a:endParaRPr lang="de-DE"/>
+          </a:p>
+        </p:txBody>
+      </p:sp>
+    </p:spTree>
+    <p:extLst>
+      <p:ext uri="{BB962C8B-B14F-4D97-AF65-F5344CB8AC3E}">
+        <p14:creationId xmlns:p14="http://schemas.microsoft.com/office/powerpoint/2010/main" val="3505641564"/>
+      </p:ext>
+    </p:extLst>
+  </p:cSld>
+  <p:clrMapOvr>
+    <a:masterClrMapping/>
+  </p:clrMapOvr>
+</p:sld>
+</file>
+
+<file path=ppt/slides/slide7.xml><?xml version="1.0" encoding="utf-8"?>
+<p:sld xmlns:a="http://schemas.openxmlformats.org/drawingml/2006/main" xmlns:r="http://schemas.openxmlformats.org/officeDocument/2006/relationships" xmlns:p="http://schemas.openxmlformats.org/presentationml/2006/main">
+  <p:cSld>
+    <p:spTree>
+      <p:nvGrpSpPr>
+        <p:cNvPr id="1" name=""/>
+        <p:cNvGrpSpPr/>
+        <p:nvPr/>
+      </p:nvGrpSpPr>
+      <p:grpSpPr>
+        <a:xfrm>
+          <a:off x="0" y="0"/>
+          <a:ext cx="0" cy="0"/>
+          <a:chOff x="0" y="0"/>
+          <a:chExt cx="0" cy="0"/>
+        </a:xfrm>
+      </p:grpSpPr>
+      <p:sp>
+        <p:nvSpPr>
+          <p:cNvPr id="2" name="Titel 1">
+            <a:extLst>
+              <a:ext uri="{FF2B5EF4-FFF2-40B4-BE49-F238E27FC236}">
+                <a16:creationId xmlns:a16="http://schemas.microsoft.com/office/drawing/2014/main" id="{1868DDB8-4681-AE82-FD2D-7CED03D72A70}"/>
+              </a:ext>
+            </a:extLst>
+          </p:cNvPr>
+          <p:cNvSpPr>
+            <a:spLocks noGrp="1"/>
+          </p:cNvSpPr>
+          <p:nvPr>
+            <p:ph type="title"/>
+          </p:nvPr>
+        </p:nvSpPr>
+        <p:spPr/>
+        <p:txBody>
+          <a:bodyPr/>
+          <a:lstStyle/>
+          <a:p>
+            <a:r>
+              <a:rPr lang="de-CH" dirty="0" err="1"/>
+              <a:t>React</a:t>
+            </a:r>
+            <a:r>
+              <a:rPr lang="de-CH" dirty="0"/>
+              <a:t> - Beschreibung, Zweck, Einsatz </a:t>
+            </a:r>
+          </a:p>
+        </p:txBody>
+      </p:sp>
+      <p:sp>
+        <p:nvSpPr>
+          <p:cNvPr id="3" name="Inhaltsplatzhalter 2">
+            <a:extLst>
+              <a:ext uri="{FF2B5EF4-FFF2-40B4-BE49-F238E27FC236}">
+                <a16:creationId xmlns:a16="http://schemas.microsoft.com/office/drawing/2014/main" id="{33A7AC71-F60D-7B34-67D7-F2452991C5CF}"/>
+              </a:ext>
+            </a:extLst>
+          </p:cNvPr>
+          <p:cNvSpPr>
+            <a:spLocks noGrp="1"/>
+          </p:cNvSpPr>
+          <p:nvPr>
+            <p:ph idx="1"/>
+          </p:nvPr>
+        </p:nvSpPr>
+        <p:spPr/>
+        <p:txBody>
+          <a:bodyPr/>
+          <a:lstStyle/>
+          <a:p>
+            <a:endParaRPr lang="de-CH"/>
+          </a:p>
+        </p:txBody>
+      </p:sp>
+    </p:spTree>
+    <p:extLst>
+      <p:ext uri="{BB962C8B-B14F-4D97-AF65-F5344CB8AC3E}">
+        <p14:creationId xmlns:p14="http://schemas.microsoft.com/office/powerpoint/2010/main" val="2047057984"/>
+      </p:ext>
+    </p:extLst>
+  </p:cSld>
+  <p:clrMapOvr>
+    <a:masterClrMapping/>
+  </p:clrMapOvr>
+</p:sld>
+</file>
+
+<file path=ppt/slides/slide8.xml><?xml version="1.0" encoding="utf-8"?>
+<p:sld xmlns:a="http://schemas.openxmlformats.org/drawingml/2006/main" xmlns:r="http://schemas.openxmlformats.org/officeDocument/2006/relationships" xmlns:p="http://schemas.openxmlformats.org/presentationml/2006/main">
+  <p:cSld>
+    <p:spTree>
+      <p:nvGrpSpPr>
+        <p:cNvPr id="1" name=""/>
+        <p:cNvGrpSpPr/>
+        <p:nvPr/>
+      </p:nvGrpSpPr>
+      <p:grpSpPr>
+        <a:xfrm>
+          <a:off x="0" y="0"/>
+          <a:ext cx="0" cy="0"/>
+          <a:chOff x="0" y="0"/>
+          <a:chExt cx="0" cy="0"/>
+        </a:xfrm>
+      </p:grpSpPr>
+      <p:sp>
+        <p:nvSpPr>
+          <p:cNvPr id="2" name="Titel 1">
+            <a:extLst>
+              <a:ext uri="{FF2B5EF4-FFF2-40B4-BE49-F238E27FC236}">
+                <a16:creationId xmlns:a16="http://schemas.microsoft.com/office/drawing/2014/main" id="{628E05B4-FA0A-A5C0-A670-3479C1FE0F21}"/>
+              </a:ext>
+            </a:extLst>
+          </p:cNvPr>
+          <p:cNvSpPr>
+            <a:spLocks noGrp="1"/>
+          </p:cNvSpPr>
+          <p:nvPr>
+            <p:ph type="title"/>
+          </p:nvPr>
+        </p:nvSpPr>
+        <p:spPr/>
+        <p:txBody>
+          <a:bodyPr/>
+          <a:lstStyle/>
+          <a:p>
+            <a:r>
+              <a:rPr lang="de-DE" dirty="0" err="1"/>
+              <a:t>React</a:t>
+            </a:r>
+            <a:r>
+              <a:rPr lang="de-DE" dirty="0"/>
+              <a:t> Beispielseite, Code</a:t>
+            </a:r>
+          </a:p>
+        </p:txBody>
+      </p:sp>
+      <p:sp>
+        <p:nvSpPr>
+          <p:cNvPr id="3" name="Inhaltsplatzhalter 2">
+            <a:extLst>
+              <a:ext uri="{FF2B5EF4-FFF2-40B4-BE49-F238E27FC236}">
+                <a16:creationId xmlns:a16="http://schemas.microsoft.com/office/drawing/2014/main" id="{98962C28-0D8E-0A0F-0AFB-5B310ACC4BA5}"/>
+              </a:ext>
+            </a:extLst>
+          </p:cNvPr>
+          <p:cNvSpPr>
+            <a:spLocks noGrp="1"/>
+          </p:cNvSpPr>
+          <p:nvPr>
+            <p:ph idx="1"/>
+          </p:nvPr>
+        </p:nvSpPr>
+        <p:spPr/>
+        <p:txBody>
+          <a:bodyPr/>
+          <a:lstStyle/>
+          <a:p>
+            <a:endParaRPr lang="de-DE"/>
+          </a:p>
+        </p:txBody>
+      </p:sp>
+    </p:spTree>
+    <p:extLst>
+      <p:ext uri="{BB962C8B-B14F-4D97-AF65-F5344CB8AC3E}">
+        <p14:creationId xmlns:p14="http://schemas.microsoft.com/office/powerpoint/2010/main" val="3934478644"/>
+      </p:ext>
+    </p:extLst>
+  </p:cSld>
+  <p:clrMapOvr>
+    <a:masterClrMapping/>
+  </p:clrMapOvr>
+</p:sld>
+</file>
+
+<file path=ppt/slides/slide9.xml><?xml version="1.0" encoding="utf-8"?>
+<p:sld xmlns:a="http://schemas.openxmlformats.org/drawingml/2006/main" xmlns:r="http://schemas.openxmlformats.org/officeDocument/2006/relationships" xmlns:p="http://schemas.openxmlformats.org/presentationml/2006/main">
+  <p:cSld>
+    <p:spTree>
+      <p:nvGrpSpPr>
+        <p:cNvPr id="1" name=""/>
+        <p:cNvGrpSpPr/>
+        <p:nvPr/>
+      </p:nvGrpSpPr>
+      <p:grpSpPr>
+        <a:xfrm>
+          <a:off x="0" y="0"/>
+          <a:ext cx="0" cy="0"/>
+          <a:chOff x="0" y="0"/>
+          <a:chExt cx="0" cy="0"/>
+        </a:xfrm>
+      </p:grpSpPr>
+      <p:sp>
+        <p:nvSpPr>
+          <p:cNvPr id="2" name="Titel 1">
+            <a:extLst>
+              <a:ext uri="{FF2B5EF4-FFF2-40B4-BE49-F238E27FC236}">
+                <a16:creationId xmlns:a16="http://schemas.microsoft.com/office/drawing/2014/main" id="{25C66DAC-3148-9ECA-9061-0F51D1DCC959}"/>
+              </a:ext>
+            </a:extLst>
+          </p:cNvPr>
+          <p:cNvSpPr>
+            <a:spLocks noGrp="1"/>
+          </p:cNvSpPr>
+          <p:nvPr>
+            <p:ph type="title"/>
+          </p:nvPr>
+        </p:nvSpPr>
+        <p:spPr/>
+        <p:txBody>
+          <a:bodyPr/>
+          <a:lstStyle/>
+          <a:p>
+            <a:r>
+              <a:rPr lang="de-DE" dirty="0" err="1"/>
+              <a:t>React</a:t>
+            </a:r>
+            <a:r>
+              <a:rPr lang="de-DE" dirty="0"/>
+              <a:t> Stärken / Schwächen</a:t>
+            </a:r>
+          </a:p>
+        </p:txBody>
+      </p:sp>
+      <p:sp>
+        <p:nvSpPr>
+          <p:cNvPr id="3" name="Inhaltsplatzhalter 2">
+            <a:extLst>
+              <a:ext uri="{FF2B5EF4-FFF2-40B4-BE49-F238E27FC236}">
+                <a16:creationId xmlns:a16="http://schemas.microsoft.com/office/drawing/2014/main" id="{F2C5B562-6F4C-273C-5310-46B778F34234}"/>
+              </a:ext>
+            </a:extLst>
+          </p:cNvPr>
+          <p:cNvSpPr>
+            <a:spLocks noGrp="1"/>
+          </p:cNvSpPr>
+          <p:nvPr>
+            <p:ph idx="1"/>
+          </p:nvPr>
+        </p:nvSpPr>
+        <p:spPr/>
+        <p:txBody>
+          <a:bodyPr/>
+          <a:lstStyle/>
+          <a:p>
+            <a:endParaRPr lang="de-DE"/>
+          </a:p>
+        </p:txBody>
+      </p:sp>
+    </p:spTree>
+    <p:extLst>
+      <p:ext uri="{BB962C8B-B14F-4D97-AF65-F5344CB8AC3E}">
+        <p14:creationId xmlns:p14="http://schemas.microsoft.com/office/powerpoint/2010/main" val="2285871291"/>
       </p:ext>
     </p:extLst>
   </p:cSld>
